--- a/figures/comprehensive.pptx
+++ b/figures/comprehensive.pptx
@@ -2,12 +2,12 @@
 <file path=ppt/presentation.xml><?xml version="1.0" encoding="utf-8"?>
 <p:presentation xmlns:a="http://schemas.openxmlformats.org/drawingml/2006/main" xmlns:r="http://schemas.openxmlformats.org/officeDocument/2006/relationships" xmlns:p="http://schemas.openxmlformats.org/presentationml/2006/main" saveSubsetFonts="1">
   <p:sldMasterIdLst>
-    <p:sldMasterId id="2147483888" r:id="rId1"/>
+    <p:sldMasterId id="2147483900" r:id="rId1"/>
   </p:sldMasterIdLst>
   <p:sldIdLst>
     <p:sldId id="256" r:id="rId2"/>
   </p:sldIdLst>
-  <p:sldSz cx="12801600" cy="7315200"/>
+  <p:sldSz cx="12344400" cy="7315200"/>
   <p:notesSz cx="6858000" cy="9144000"/>
   <p:defaultTextStyle>
     <a:defPPr>
@@ -141,15 +141,15 @@
         </p:nvSpPr>
         <p:spPr>
           <a:xfrm>
-            <a:off x="1600200" y="1197187"/>
-            <a:ext cx="9601200" cy="2546773"/>
+            <a:off x="1543050" y="1197187"/>
+            <a:ext cx="9258300" cy="2546773"/>
           </a:xfrm>
         </p:spPr>
         <p:txBody>
           <a:bodyPr anchor="b"/>
           <a:lstStyle>
             <a:lvl1pPr algn="ctr">
-              <a:defRPr sz="6300"/>
+              <a:defRPr sz="6075"/>
             </a:lvl1pPr>
           </a:lstStyle>
           <a:p>
@@ -173,8 +173,8 @@
         </p:nvSpPr>
         <p:spPr>
           <a:xfrm>
-            <a:off x="1600200" y="3842174"/>
-            <a:ext cx="9601200" cy="1766146"/>
+            <a:off x="1543050" y="3842174"/>
+            <a:ext cx="9258300" cy="1766146"/>
           </a:xfrm>
         </p:spPr>
         <p:txBody>
@@ -182,39 +182,39 @@
           <a:lstStyle>
             <a:lvl1pPr marL="0" indent="0" algn="ctr">
               <a:buNone/>
-              <a:defRPr sz="2520"/>
+              <a:defRPr sz="2430"/>
             </a:lvl1pPr>
-            <a:lvl2pPr marL="480060" indent="0" algn="ctr">
+            <a:lvl2pPr marL="462915" indent="0" algn="ctr">
               <a:buNone/>
-              <a:defRPr sz="2100"/>
+              <a:defRPr sz="2025"/>
             </a:lvl2pPr>
-            <a:lvl3pPr marL="960120" indent="0" algn="ctr">
+            <a:lvl3pPr marL="925830" indent="0" algn="ctr">
               <a:buNone/>
-              <a:defRPr sz="1890"/>
+              <a:defRPr sz="1823"/>
             </a:lvl3pPr>
-            <a:lvl4pPr marL="1440180" indent="0" algn="ctr">
+            <a:lvl4pPr marL="1388745" indent="0" algn="ctr">
               <a:buNone/>
-              <a:defRPr sz="1680"/>
+              <a:defRPr sz="1620"/>
             </a:lvl4pPr>
-            <a:lvl5pPr marL="1920240" indent="0" algn="ctr">
+            <a:lvl5pPr marL="1851660" indent="0" algn="ctr">
               <a:buNone/>
-              <a:defRPr sz="1680"/>
+              <a:defRPr sz="1620"/>
             </a:lvl5pPr>
-            <a:lvl6pPr marL="2400300" indent="0" algn="ctr">
+            <a:lvl6pPr marL="2314575" indent="0" algn="ctr">
               <a:buNone/>
-              <a:defRPr sz="1680"/>
+              <a:defRPr sz="1620"/>
             </a:lvl6pPr>
-            <a:lvl7pPr marL="2880360" indent="0" algn="ctr">
+            <a:lvl7pPr marL="2777490" indent="0" algn="ctr">
               <a:buNone/>
-              <a:defRPr sz="1680"/>
+              <a:defRPr sz="1620"/>
             </a:lvl7pPr>
-            <a:lvl8pPr marL="3360420" indent="0" algn="ctr">
+            <a:lvl8pPr marL="3240405" indent="0" algn="ctr">
               <a:buNone/>
-              <a:defRPr sz="1680"/>
+              <a:defRPr sz="1620"/>
             </a:lvl8pPr>
-            <a:lvl9pPr marL="3840480" indent="0" algn="ctr">
+            <a:lvl9pPr marL="3703320" indent="0" algn="ctr">
               <a:buNone/>
-              <a:defRPr sz="1680"/>
+              <a:defRPr sz="1620"/>
             </a:lvl9pPr>
           </a:lstStyle>
           <a:p>
@@ -294,7 +294,7 @@
     </p:spTree>
     <p:extLst>
       <p:ext uri="{BB962C8B-B14F-4D97-AF65-F5344CB8AC3E}">
-        <p14:creationId xmlns:p14="http://schemas.microsoft.com/office/powerpoint/2010/main" val="3268620981"/>
+        <p14:creationId xmlns:p14="http://schemas.microsoft.com/office/powerpoint/2010/main" val="3271263955"/>
       </p:ext>
     </p:extLst>
   </p:cSld>
@@ -464,7 +464,7 @@
     </p:spTree>
     <p:extLst>
       <p:ext uri="{BB962C8B-B14F-4D97-AF65-F5344CB8AC3E}">
-        <p14:creationId xmlns:p14="http://schemas.microsoft.com/office/powerpoint/2010/main" val="2533681418"/>
+        <p14:creationId xmlns:p14="http://schemas.microsoft.com/office/powerpoint/2010/main" val="612582698"/>
       </p:ext>
     </p:extLst>
   </p:cSld>
@@ -503,8 +503,8 @@
         </p:nvSpPr>
         <p:spPr>
           <a:xfrm>
-            <a:off x="9161145" y="389467"/>
-            <a:ext cx="2760345" cy="6199294"/>
+            <a:off x="8833961" y="389467"/>
+            <a:ext cx="2661761" cy="6199294"/>
           </a:xfrm>
         </p:spPr>
         <p:txBody>
@@ -531,8 +531,8 @@
         </p:nvSpPr>
         <p:spPr>
           <a:xfrm>
-            <a:off x="880110" y="389467"/>
-            <a:ext cx="8121015" cy="6199294"/>
+            <a:off x="848677" y="389467"/>
+            <a:ext cx="7830979" cy="6199294"/>
           </a:xfrm>
         </p:spPr>
         <p:txBody>
@@ -644,7 +644,7 @@
     </p:spTree>
     <p:extLst>
       <p:ext uri="{BB962C8B-B14F-4D97-AF65-F5344CB8AC3E}">
-        <p14:creationId xmlns:p14="http://schemas.microsoft.com/office/powerpoint/2010/main" val="1471598608"/>
+        <p14:creationId xmlns:p14="http://schemas.microsoft.com/office/powerpoint/2010/main" val="3129607572"/>
       </p:ext>
     </p:extLst>
   </p:cSld>
@@ -814,7 +814,7 @@
     </p:spTree>
     <p:extLst>
       <p:ext uri="{BB962C8B-B14F-4D97-AF65-F5344CB8AC3E}">
-        <p14:creationId xmlns:p14="http://schemas.microsoft.com/office/powerpoint/2010/main" val="1566910672"/>
+        <p14:creationId xmlns:p14="http://schemas.microsoft.com/office/powerpoint/2010/main" val="25721456"/>
       </p:ext>
     </p:extLst>
   </p:cSld>
@@ -853,15 +853,15 @@
         </p:nvSpPr>
         <p:spPr>
           <a:xfrm>
-            <a:off x="873443" y="1823721"/>
-            <a:ext cx="11041380" cy="3042919"/>
+            <a:off x="842248" y="1823721"/>
+            <a:ext cx="10647045" cy="3042919"/>
           </a:xfrm>
         </p:spPr>
         <p:txBody>
           <a:bodyPr anchor="b"/>
           <a:lstStyle>
             <a:lvl1pPr>
-              <a:defRPr sz="6300"/>
+              <a:defRPr sz="6075"/>
             </a:lvl1pPr>
           </a:lstStyle>
           <a:p>
@@ -885,8 +885,8 @@
         </p:nvSpPr>
         <p:spPr>
           <a:xfrm>
-            <a:off x="873443" y="4895428"/>
-            <a:ext cx="11041380" cy="1600199"/>
+            <a:off x="842248" y="4895428"/>
+            <a:ext cx="10647045" cy="1600199"/>
           </a:xfrm>
         </p:spPr>
         <p:txBody>
@@ -894,7 +894,7 @@
           <a:lstStyle>
             <a:lvl1pPr marL="0" indent="0">
               <a:buNone/>
-              <a:defRPr sz="2520">
+              <a:defRPr sz="2430">
                 <a:solidFill>
                   <a:schemeClr val="tx1">
                     <a:tint val="75000"/>
@@ -902,9 +902,9 @@
                 </a:solidFill>
               </a:defRPr>
             </a:lvl1pPr>
-            <a:lvl2pPr marL="480060" indent="0">
+            <a:lvl2pPr marL="462915" indent="0">
               <a:buNone/>
-              <a:defRPr sz="2100">
+              <a:defRPr sz="2025">
                 <a:solidFill>
                   <a:schemeClr val="tx1">
                     <a:tint val="75000"/>
@@ -912,9 +912,9 @@
                 </a:solidFill>
               </a:defRPr>
             </a:lvl2pPr>
-            <a:lvl3pPr marL="960120" indent="0">
+            <a:lvl3pPr marL="925830" indent="0">
               <a:buNone/>
-              <a:defRPr sz="1890">
+              <a:defRPr sz="1823">
                 <a:solidFill>
                   <a:schemeClr val="tx1">
                     <a:tint val="75000"/>
@@ -922,9 +922,9 @@
                 </a:solidFill>
               </a:defRPr>
             </a:lvl3pPr>
-            <a:lvl4pPr marL="1440180" indent="0">
+            <a:lvl4pPr marL="1388745" indent="0">
               <a:buNone/>
-              <a:defRPr sz="1680">
+              <a:defRPr sz="1620">
                 <a:solidFill>
                   <a:schemeClr val="tx1">
                     <a:tint val="75000"/>
@@ -932,9 +932,9 @@
                 </a:solidFill>
               </a:defRPr>
             </a:lvl4pPr>
-            <a:lvl5pPr marL="1920240" indent="0">
+            <a:lvl5pPr marL="1851660" indent="0">
               <a:buNone/>
-              <a:defRPr sz="1680">
+              <a:defRPr sz="1620">
                 <a:solidFill>
                   <a:schemeClr val="tx1">
                     <a:tint val="75000"/>
@@ -942,9 +942,9 @@
                 </a:solidFill>
               </a:defRPr>
             </a:lvl5pPr>
-            <a:lvl6pPr marL="2400300" indent="0">
+            <a:lvl6pPr marL="2314575" indent="0">
               <a:buNone/>
-              <a:defRPr sz="1680">
+              <a:defRPr sz="1620">
                 <a:solidFill>
                   <a:schemeClr val="tx1">
                     <a:tint val="75000"/>
@@ -952,9 +952,9 @@
                 </a:solidFill>
               </a:defRPr>
             </a:lvl6pPr>
-            <a:lvl7pPr marL="2880360" indent="0">
+            <a:lvl7pPr marL="2777490" indent="0">
               <a:buNone/>
-              <a:defRPr sz="1680">
+              <a:defRPr sz="1620">
                 <a:solidFill>
                   <a:schemeClr val="tx1">
                     <a:tint val="75000"/>
@@ -962,9 +962,9 @@
                 </a:solidFill>
               </a:defRPr>
             </a:lvl7pPr>
-            <a:lvl8pPr marL="3360420" indent="0">
+            <a:lvl8pPr marL="3240405" indent="0">
               <a:buNone/>
-              <a:defRPr sz="1680">
+              <a:defRPr sz="1620">
                 <a:solidFill>
                   <a:schemeClr val="tx1">
                     <a:tint val="75000"/>
@@ -972,9 +972,9 @@
                 </a:solidFill>
               </a:defRPr>
             </a:lvl8pPr>
-            <a:lvl9pPr marL="3840480" indent="0">
+            <a:lvl9pPr marL="3703320" indent="0">
               <a:buNone/>
-              <a:defRPr sz="1680">
+              <a:defRPr sz="1620">
                 <a:solidFill>
                   <a:schemeClr val="tx1">
                     <a:tint val="75000"/>
@@ -1060,7 +1060,7 @@
     </p:spTree>
     <p:extLst>
       <p:ext uri="{BB962C8B-B14F-4D97-AF65-F5344CB8AC3E}">
-        <p14:creationId xmlns:p14="http://schemas.microsoft.com/office/powerpoint/2010/main" val="2105366364"/>
+        <p14:creationId xmlns:p14="http://schemas.microsoft.com/office/powerpoint/2010/main" val="1209383979"/>
       </p:ext>
     </p:extLst>
   </p:cSld>
@@ -1122,8 +1122,8 @@
         </p:nvSpPr>
         <p:spPr>
           <a:xfrm>
-            <a:off x="880110" y="1947333"/>
-            <a:ext cx="5440680" cy="4641427"/>
+            <a:off x="848678" y="1947333"/>
+            <a:ext cx="5246370" cy="4641427"/>
           </a:xfrm>
         </p:spPr>
         <p:txBody>
@@ -1179,8 +1179,8 @@
         </p:nvSpPr>
         <p:spPr>
           <a:xfrm>
-            <a:off x="6480810" y="1947333"/>
-            <a:ext cx="5440680" cy="4641427"/>
+            <a:off x="6249353" y="1947333"/>
+            <a:ext cx="5246370" cy="4641427"/>
           </a:xfrm>
         </p:spPr>
         <p:txBody>
@@ -1292,7 +1292,7 @@
     </p:spTree>
     <p:extLst>
       <p:ext uri="{BB962C8B-B14F-4D97-AF65-F5344CB8AC3E}">
-        <p14:creationId xmlns:p14="http://schemas.microsoft.com/office/powerpoint/2010/main" val="961144379"/>
+        <p14:creationId xmlns:p14="http://schemas.microsoft.com/office/powerpoint/2010/main" val="3257393628"/>
       </p:ext>
     </p:extLst>
   </p:cSld>
@@ -1331,8 +1331,8 @@
         </p:nvSpPr>
         <p:spPr>
           <a:xfrm>
-            <a:off x="881777" y="389467"/>
-            <a:ext cx="11041380" cy="1413934"/>
+            <a:off x="850285" y="389467"/>
+            <a:ext cx="10647045" cy="1413934"/>
           </a:xfrm>
         </p:spPr>
         <p:txBody>
@@ -1359,8 +1359,8 @@
         </p:nvSpPr>
         <p:spPr>
           <a:xfrm>
-            <a:off x="881778" y="1793241"/>
-            <a:ext cx="5415676" cy="878839"/>
+            <a:off x="850286" y="1793241"/>
+            <a:ext cx="5222259" cy="878839"/>
           </a:xfrm>
         </p:spPr>
         <p:txBody>
@@ -1368,39 +1368,39 @@
           <a:lstStyle>
             <a:lvl1pPr marL="0" indent="0">
               <a:buNone/>
-              <a:defRPr sz="2520" b="1"/>
+              <a:defRPr sz="2430" b="1"/>
             </a:lvl1pPr>
-            <a:lvl2pPr marL="480060" indent="0">
+            <a:lvl2pPr marL="462915" indent="0">
               <a:buNone/>
-              <a:defRPr sz="2100" b="1"/>
+              <a:defRPr sz="2025" b="1"/>
             </a:lvl2pPr>
-            <a:lvl3pPr marL="960120" indent="0">
+            <a:lvl3pPr marL="925830" indent="0">
               <a:buNone/>
-              <a:defRPr sz="1890" b="1"/>
+              <a:defRPr sz="1823" b="1"/>
             </a:lvl3pPr>
-            <a:lvl4pPr marL="1440180" indent="0">
+            <a:lvl4pPr marL="1388745" indent="0">
               <a:buNone/>
-              <a:defRPr sz="1680" b="1"/>
+              <a:defRPr sz="1620" b="1"/>
             </a:lvl4pPr>
-            <a:lvl5pPr marL="1920240" indent="0">
+            <a:lvl5pPr marL="1851660" indent="0">
               <a:buNone/>
-              <a:defRPr sz="1680" b="1"/>
+              <a:defRPr sz="1620" b="1"/>
             </a:lvl5pPr>
-            <a:lvl6pPr marL="2400300" indent="0">
+            <a:lvl6pPr marL="2314575" indent="0">
               <a:buNone/>
-              <a:defRPr sz="1680" b="1"/>
+              <a:defRPr sz="1620" b="1"/>
             </a:lvl6pPr>
-            <a:lvl7pPr marL="2880360" indent="0">
+            <a:lvl7pPr marL="2777490" indent="0">
               <a:buNone/>
-              <a:defRPr sz="1680" b="1"/>
+              <a:defRPr sz="1620" b="1"/>
             </a:lvl7pPr>
-            <a:lvl8pPr marL="3360420" indent="0">
+            <a:lvl8pPr marL="3240405" indent="0">
               <a:buNone/>
-              <a:defRPr sz="1680" b="1"/>
+              <a:defRPr sz="1620" b="1"/>
             </a:lvl8pPr>
-            <a:lvl9pPr marL="3840480" indent="0">
+            <a:lvl9pPr marL="3703320" indent="0">
               <a:buNone/>
-              <a:defRPr sz="1680" b="1"/>
+              <a:defRPr sz="1620" b="1"/>
             </a:lvl9pPr>
           </a:lstStyle>
           <a:p>
@@ -1424,8 +1424,8 @@
         </p:nvSpPr>
         <p:spPr>
           <a:xfrm>
-            <a:off x="881778" y="2672080"/>
-            <a:ext cx="5415676" cy="3930227"/>
+            <a:off x="850286" y="2672080"/>
+            <a:ext cx="5222259" cy="3930227"/>
           </a:xfrm>
         </p:spPr>
         <p:txBody>
@@ -1481,8 +1481,8 @@
         </p:nvSpPr>
         <p:spPr>
           <a:xfrm>
-            <a:off x="6480810" y="1793241"/>
-            <a:ext cx="5442347" cy="878839"/>
+            <a:off x="6249352" y="1793241"/>
+            <a:ext cx="5247978" cy="878839"/>
           </a:xfrm>
         </p:spPr>
         <p:txBody>
@@ -1490,39 +1490,39 @@
           <a:lstStyle>
             <a:lvl1pPr marL="0" indent="0">
               <a:buNone/>
-              <a:defRPr sz="2520" b="1"/>
+              <a:defRPr sz="2430" b="1"/>
             </a:lvl1pPr>
-            <a:lvl2pPr marL="480060" indent="0">
+            <a:lvl2pPr marL="462915" indent="0">
               <a:buNone/>
-              <a:defRPr sz="2100" b="1"/>
+              <a:defRPr sz="2025" b="1"/>
             </a:lvl2pPr>
-            <a:lvl3pPr marL="960120" indent="0">
+            <a:lvl3pPr marL="925830" indent="0">
               <a:buNone/>
-              <a:defRPr sz="1890" b="1"/>
+              <a:defRPr sz="1823" b="1"/>
             </a:lvl3pPr>
-            <a:lvl4pPr marL="1440180" indent="0">
+            <a:lvl4pPr marL="1388745" indent="0">
               <a:buNone/>
-              <a:defRPr sz="1680" b="1"/>
+              <a:defRPr sz="1620" b="1"/>
             </a:lvl4pPr>
-            <a:lvl5pPr marL="1920240" indent="0">
+            <a:lvl5pPr marL="1851660" indent="0">
               <a:buNone/>
-              <a:defRPr sz="1680" b="1"/>
+              <a:defRPr sz="1620" b="1"/>
             </a:lvl5pPr>
-            <a:lvl6pPr marL="2400300" indent="0">
+            <a:lvl6pPr marL="2314575" indent="0">
               <a:buNone/>
-              <a:defRPr sz="1680" b="1"/>
+              <a:defRPr sz="1620" b="1"/>
             </a:lvl6pPr>
-            <a:lvl7pPr marL="2880360" indent="0">
+            <a:lvl7pPr marL="2777490" indent="0">
               <a:buNone/>
-              <a:defRPr sz="1680" b="1"/>
+              <a:defRPr sz="1620" b="1"/>
             </a:lvl7pPr>
-            <a:lvl8pPr marL="3360420" indent="0">
+            <a:lvl8pPr marL="3240405" indent="0">
               <a:buNone/>
-              <a:defRPr sz="1680" b="1"/>
+              <a:defRPr sz="1620" b="1"/>
             </a:lvl8pPr>
-            <a:lvl9pPr marL="3840480" indent="0">
+            <a:lvl9pPr marL="3703320" indent="0">
               <a:buNone/>
-              <a:defRPr sz="1680" b="1"/>
+              <a:defRPr sz="1620" b="1"/>
             </a:lvl9pPr>
           </a:lstStyle>
           <a:p>
@@ -1546,8 +1546,8 @@
         </p:nvSpPr>
         <p:spPr>
           <a:xfrm>
-            <a:off x="6480810" y="2672080"/>
-            <a:ext cx="5442347" cy="3930227"/>
+            <a:off x="6249352" y="2672080"/>
+            <a:ext cx="5247978" cy="3930227"/>
           </a:xfrm>
         </p:spPr>
         <p:txBody>
@@ -1659,7 +1659,7 @@
     </p:spTree>
     <p:extLst>
       <p:ext uri="{BB962C8B-B14F-4D97-AF65-F5344CB8AC3E}">
-        <p14:creationId xmlns:p14="http://schemas.microsoft.com/office/powerpoint/2010/main" val="2176558733"/>
+        <p14:creationId xmlns:p14="http://schemas.microsoft.com/office/powerpoint/2010/main" val="262111475"/>
       </p:ext>
     </p:extLst>
   </p:cSld>
@@ -1777,7 +1777,7 @@
     </p:spTree>
     <p:extLst>
       <p:ext uri="{BB962C8B-B14F-4D97-AF65-F5344CB8AC3E}">
-        <p14:creationId xmlns:p14="http://schemas.microsoft.com/office/powerpoint/2010/main" val="965159140"/>
+        <p14:creationId xmlns:p14="http://schemas.microsoft.com/office/powerpoint/2010/main" val="544709250"/>
       </p:ext>
     </p:extLst>
   </p:cSld>
@@ -1872,7 +1872,7 @@
     </p:spTree>
     <p:extLst>
       <p:ext uri="{BB962C8B-B14F-4D97-AF65-F5344CB8AC3E}">
-        <p14:creationId xmlns:p14="http://schemas.microsoft.com/office/powerpoint/2010/main" val="463702338"/>
+        <p14:creationId xmlns:p14="http://schemas.microsoft.com/office/powerpoint/2010/main" val="2998334776"/>
       </p:ext>
     </p:extLst>
   </p:cSld>
@@ -1911,15 +1911,15 @@
         </p:nvSpPr>
         <p:spPr>
           <a:xfrm>
-            <a:off x="881778" y="487680"/>
-            <a:ext cx="4128849" cy="1706880"/>
+            <a:off x="850286" y="487680"/>
+            <a:ext cx="3981390" cy="1706880"/>
           </a:xfrm>
         </p:spPr>
         <p:txBody>
           <a:bodyPr anchor="b"/>
           <a:lstStyle>
             <a:lvl1pPr>
-              <a:defRPr sz="3360"/>
+              <a:defRPr sz="3240"/>
             </a:lvl1pPr>
           </a:lstStyle>
           <a:p>
@@ -1943,39 +1943,39 @@
         </p:nvSpPr>
         <p:spPr>
           <a:xfrm>
-            <a:off x="5442347" y="1053254"/>
-            <a:ext cx="6480810" cy="5198533"/>
+            <a:off x="5247978" y="1053254"/>
+            <a:ext cx="6249353" cy="5198533"/>
           </a:xfrm>
         </p:spPr>
         <p:txBody>
           <a:bodyPr/>
           <a:lstStyle>
             <a:lvl1pPr>
-              <a:defRPr sz="3360"/>
+              <a:defRPr sz="3240"/>
             </a:lvl1pPr>
             <a:lvl2pPr>
-              <a:defRPr sz="2940"/>
+              <a:defRPr sz="2835"/>
             </a:lvl2pPr>
             <a:lvl3pPr>
-              <a:defRPr sz="2520"/>
+              <a:defRPr sz="2430"/>
             </a:lvl3pPr>
             <a:lvl4pPr>
-              <a:defRPr sz="2100"/>
+              <a:defRPr sz="2025"/>
             </a:lvl4pPr>
             <a:lvl5pPr>
-              <a:defRPr sz="2100"/>
+              <a:defRPr sz="2025"/>
             </a:lvl5pPr>
             <a:lvl6pPr>
-              <a:defRPr sz="2100"/>
+              <a:defRPr sz="2025"/>
             </a:lvl6pPr>
             <a:lvl7pPr>
-              <a:defRPr sz="2100"/>
+              <a:defRPr sz="2025"/>
             </a:lvl7pPr>
             <a:lvl8pPr>
-              <a:defRPr sz="2100"/>
+              <a:defRPr sz="2025"/>
             </a:lvl8pPr>
             <a:lvl9pPr>
-              <a:defRPr sz="2100"/>
+              <a:defRPr sz="2025"/>
             </a:lvl9pPr>
           </a:lstStyle>
           <a:p>
@@ -2028,8 +2028,8 @@
         </p:nvSpPr>
         <p:spPr>
           <a:xfrm>
-            <a:off x="881778" y="2194560"/>
-            <a:ext cx="4128849" cy="4065694"/>
+            <a:off x="850286" y="2194560"/>
+            <a:ext cx="3981390" cy="4065694"/>
           </a:xfrm>
         </p:spPr>
         <p:txBody>
@@ -2037,39 +2037,39 @@
           <a:lstStyle>
             <a:lvl1pPr marL="0" indent="0">
               <a:buNone/>
-              <a:defRPr sz="1680"/>
+              <a:defRPr sz="1620"/>
             </a:lvl1pPr>
-            <a:lvl2pPr marL="480060" indent="0">
+            <a:lvl2pPr marL="462915" indent="0">
               <a:buNone/>
-              <a:defRPr sz="1470"/>
+              <a:defRPr sz="1418"/>
             </a:lvl2pPr>
-            <a:lvl3pPr marL="960120" indent="0">
+            <a:lvl3pPr marL="925830" indent="0">
               <a:buNone/>
-              <a:defRPr sz="1260"/>
+              <a:defRPr sz="1215"/>
             </a:lvl3pPr>
-            <a:lvl4pPr marL="1440180" indent="0">
+            <a:lvl4pPr marL="1388745" indent="0">
               <a:buNone/>
-              <a:defRPr sz="1050"/>
+              <a:defRPr sz="1013"/>
             </a:lvl4pPr>
-            <a:lvl5pPr marL="1920240" indent="0">
+            <a:lvl5pPr marL="1851660" indent="0">
               <a:buNone/>
-              <a:defRPr sz="1050"/>
+              <a:defRPr sz="1013"/>
             </a:lvl5pPr>
-            <a:lvl6pPr marL="2400300" indent="0">
+            <a:lvl6pPr marL="2314575" indent="0">
               <a:buNone/>
-              <a:defRPr sz="1050"/>
+              <a:defRPr sz="1013"/>
             </a:lvl6pPr>
-            <a:lvl7pPr marL="2880360" indent="0">
+            <a:lvl7pPr marL="2777490" indent="0">
               <a:buNone/>
-              <a:defRPr sz="1050"/>
+              <a:defRPr sz="1013"/>
             </a:lvl7pPr>
-            <a:lvl8pPr marL="3360420" indent="0">
+            <a:lvl8pPr marL="3240405" indent="0">
               <a:buNone/>
-              <a:defRPr sz="1050"/>
+              <a:defRPr sz="1013"/>
             </a:lvl8pPr>
-            <a:lvl9pPr marL="3840480" indent="0">
+            <a:lvl9pPr marL="3703320" indent="0">
               <a:buNone/>
-              <a:defRPr sz="1050"/>
+              <a:defRPr sz="1013"/>
             </a:lvl9pPr>
           </a:lstStyle>
           <a:p>
@@ -2149,7 +2149,7 @@
     </p:spTree>
     <p:extLst>
       <p:ext uri="{BB962C8B-B14F-4D97-AF65-F5344CB8AC3E}">
-        <p14:creationId xmlns:p14="http://schemas.microsoft.com/office/powerpoint/2010/main" val="2823357893"/>
+        <p14:creationId xmlns:p14="http://schemas.microsoft.com/office/powerpoint/2010/main" val="2484740578"/>
       </p:ext>
     </p:extLst>
   </p:cSld>
@@ -2188,15 +2188,15 @@
         </p:nvSpPr>
         <p:spPr>
           <a:xfrm>
-            <a:off x="881778" y="487680"/>
-            <a:ext cx="4128849" cy="1706880"/>
+            <a:off x="850286" y="487680"/>
+            <a:ext cx="3981390" cy="1706880"/>
           </a:xfrm>
         </p:spPr>
         <p:txBody>
           <a:bodyPr anchor="b"/>
           <a:lstStyle>
             <a:lvl1pPr>
-              <a:defRPr sz="3360"/>
+              <a:defRPr sz="3240"/>
             </a:lvl1pPr>
           </a:lstStyle>
           <a:p>
@@ -2220,8 +2220,8 @@
         </p:nvSpPr>
         <p:spPr>
           <a:xfrm>
-            <a:off x="5442347" y="1053254"/>
-            <a:ext cx="6480810" cy="5198533"/>
+            <a:off x="5247978" y="1053254"/>
+            <a:ext cx="6249353" cy="5198533"/>
           </a:xfrm>
         </p:spPr>
         <p:txBody>
@@ -2229,39 +2229,39 @@
           <a:lstStyle>
             <a:lvl1pPr marL="0" indent="0">
               <a:buNone/>
-              <a:defRPr sz="3360"/>
+              <a:defRPr sz="3240"/>
             </a:lvl1pPr>
-            <a:lvl2pPr marL="480060" indent="0">
+            <a:lvl2pPr marL="462915" indent="0">
               <a:buNone/>
-              <a:defRPr sz="2940"/>
+              <a:defRPr sz="2835"/>
             </a:lvl2pPr>
-            <a:lvl3pPr marL="960120" indent="0">
+            <a:lvl3pPr marL="925830" indent="0">
               <a:buNone/>
-              <a:defRPr sz="2520"/>
+              <a:defRPr sz="2430"/>
             </a:lvl3pPr>
-            <a:lvl4pPr marL="1440180" indent="0">
+            <a:lvl4pPr marL="1388745" indent="0">
               <a:buNone/>
-              <a:defRPr sz="2100"/>
+              <a:defRPr sz="2025"/>
             </a:lvl4pPr>
-            <a:lvl5pPr marL="1920240" indent="0">
+            <a:lvl5pPr marL="1851660" indent="0">
               <a:buNone/>
-              <a:defRPr sz="2100"/>
+              <a:defRPr sz="2025"/>
             </a:lvl5pPr>
-            <a:lvl6pPr marL="2400300" indent="0">
+            <a:lvl6pPr marL="2314575" indent="0">
               <a:buNone/>
-              <a:defRPr sz="2100"/>
+              <a:defRPr sz="2025"/>
             </a:lvl6pPr>
-            <a:lvl7pPr marL="2880360" indent="0">
+            <a:lvl7pPr marL="2777490" indent="0">
               <a:buNone/>
-              <a:defRPr sz="2100"/>
+              <a:defRPr sz="2025"/>
             </a:lvl7pPr>
-            <a:lvl8pPr marL="3360420" indent="0">
+            <a:lvl8pPr marL="3240405" indent="0">
               <a:buNone/>
-              <a:defRPr sz="2100"/>
+              <a:defRPr sz="2025"/>
             </a:lvl8pPr>
-            <a:lvl9pPr marL="3840480" indent="0">
+            <a:lvl9pPr marL="3703320" indent="0">
               <a:buNone/>
-              <a:defRPr sz="2100"/>
+              <a:defRPr sz="2025"/>
             </a:lvl9pPr>
           </a:lstStyle>
           <a:p>
@@ -2285,8 +2285,8 @@
         </p:nvSpPr>
         <p:spPr>
           <a:xfrm>
-            <a:off x="881778" y="2194560"/>
-            <a:ext cx="4128849" cy="4065694"/>
+            <a:off x="850286" y="2194560"/>
+            <a:ext cx="3981390" cy="4065694"/>
           </a:xfrm>
         </p:spPr>
         <p:txBody>
@@ -2294,39 +2294,39 @@
           <a:lstStyle>
             <a:lvl1pPr marL="0" indent="0">
               <a:buNone/>
-              <a:defRPr sz="1680"/>
+              <a:defRPr sz="1620"/>
             </a:lvl1pPr>
-            <a:lvl2pPr marL="480060" indent="0">
+            <a:lvl2pPr marL="462915" indent="0">
               <a:buNone/>
-              <a:defRPr sz="1470"/>
+              <a:defRPr sz="1418"/>
             </a:lvl2pPr>
-            <a:lvl3pPr marL="960120" indent="0">
+            <a:lvl3pPr marL="925830" indent="0">
               <a:buNone/>
-              <a:defRPr sz="1260"/>
+              <a:defRPr sz="1215"/>
             </a:lvl3pPr>
-            <a:lvl4pPr marL="1440180" indent="0">
+            <a:lvl4pPr marL="1388745" indent="0">
               <a:buNone/>
-              <a:defRPr sz="1050"/>
+              <a:defRPr sz="1013"/>
             </a:lvl4pPr>
-            <a:lvl5pPr marL="1920240" indent="0">
+            <a:lvl5pPr marL="1851660" indent="0">
               <a:buNone/>
-              <a:defRPr sz="1050"/>
+              <a:defRPr sz="1013"/>
             </a:lvl5pPr>
-            <a:lvl6pPr marL="2400300" indent="0">
+            <a:lvl6pPr marL="2314575" indent="0">
               <a:buNone/>
-              <a:defRPr sz="1050"/>
+              <a:defRPr sz="1013"/>
             </a:lvl6pPr>
-            <a:lvl7pPr marL="2880360" indent="0">
+            <a:lvl7pPr marL="2777490" indent="0">
               <a:buNone/>
-              <a:defRPr sz="1050"/>
+              <a:defRPr sz="1013"/>
             </a:lvl7pPr>
-            <a:lvl8pPr marL="3360420" indent="0">
+            <a:lvl8pPr marL="3240405" indent="0">
               <a:buNone/>
-              <a:defRPr sz="1050"/>
+              <a:defRPr sz="1013"/>
             </a:lvl8pPr>
-            <a:lvl9pPr marL="3840480" indent="0">
+            <a:lvl9pPr marL="3703320" indent="0">
               <a:buNone/>
-              <a:defRPr sz="1050"/>
+              <a:defRPr sz="1013"/>
             </a:lvl9pPr>
           </a:lstStyle>
           <a:p>
@@ -2406,7 +2406,7 @@
     </p:spTree>
     <p:extLst>
       <p:ext uri="{BB962C8B-B14F-4D97-AF65-F5344CB8AC3E}">
-        <p14:creationId xmlns:p14="http://schemas.microsoft.com/office/powerpoint/2010/main" val="2096878140"/>
+        <p14:creationId xmlns:p14="http://schemas.microsoft.com/office/powerpoint/2010/main" val="3450283382"/>
       </p:ext>
     </p:extLst>
   </p:cSld>
@@ -2450,8 +2450,8 @@
         </p:nvSpPr>
         <p:spPr>
           <a:xfrm>
-            <a:off x="880110" y="389467"/>
-            <a:ext cx="11041380" cy="1413934"/>
+            <a:off x="848678" y="389467"/>
+            <a:ext cx="10647045" cy="1413934"/>
           </a:xfrm>
           <a:prstGeom prst="rect">
             <a:avLst/>
@@ -2483,8 +2483,8 @@
         </p:nvSpPr>
         <p:spPr>
           <a:xfrm>
-            <a:off x="880110" y="1947333"/>
-            <a:ext cx="11041380" cy="4641427"/>
+            <a:off x="848678" y="1947333"/>
+            <a:ext cx="10647045" cy="4641427"/>
           </a:xfrm>
           <a:prstGeom prst="rect">
             <a:avLst/>
@@ -2545,8 +2545,8 @@
         </p:nvSpPr>
         <p:spPr>
           <a:xfrm>
-            <a:off x="880110" y="6780107"/>
-            <a:ext cx="2880360" cy="389467"/>
+            <a:off x="848678" y="6780107"/>
+            <a:ext cx="2777490" cy="389467"/>
           </a:xfrm>
           <a:prstGeom prst="rect">
             <a:avLst/>
@@ -2556,7 +2556,7 @@
           <a:bodyPr vert="horz" lIns="91440" tIns="45720" rIns="91440" bIns="45720" rtlCol="0" anchor="ctr"/>
           <a:lstStyle>
             <a:lvl1pPr algn="l">
-              <a:defRPr sz="1260">
+              <a:defRPr sz="1215">
                 <a:solidFill>
                   <a:schemeClr val="tx1">
                     <a:tint val="75000"/>
@@ -2586,8 +2586,8 @@
         </p:nvSpPr>
         <p:spPr>
           <a:xfrm>
-            <a:off x="4240530" y="6780107"/>
-            <a:ext cx="4320540" cy="389467"/>
+            <a:off x="4089083" y="6780107"/>
+            <a:ext cx="4166235" cy="389467"/>
           </a:xfrm>
           <a:prstGeom prst="rect">
             <a:avLst/>
@@ -2597,7 +2597,7 @@
           <a:bodyPr vert="horz" lIns="91440" tIns="45720" rIns="91440" bIns="45720" rtlCol="0" anchor="ctr"/>
           <a:lstStyle>
             <a:lvl1pPr algn="ctr">
-              <a:defRPr sz="1260">
+              <a:defRPr sz="1215">
                 <a:solidFill>
                   <a:schemeClr val="tx1">
                     <a:tint val="75000"/>
@@ -2623,8 +2623,8 @@
         </p:nvSpPr>
         <p:spPr>
           <a:xfrm>
-            <a:off x="9041130" y="6780107"/>
-            <a:ext cx="2880360" cy="389467"/>
+            <a:off x="8718233" y="6780107"/>
+            <a:ext cx="2777490" cy="389467"/>
           </a:xfrm>
           <a:prstGeom prst="rect">
             <a:avLst/>
@@ -2634,7 +2634,7 @@
           <a:bodyPr vert="horz" lIns="91440" tIns="45720" rIns="91440" bIns="45720" rtlCol="0" anchor="ctr"/>
           <a:lstStyle>
             <a:lvl1pPr algn="r">
-              <a:defRPr sz="1260">
+              <a:defRPr sz="1215">
                 <a:solidFill>
                   <a:schemeClr val="tx1">
                     <a:tint val="75000"/>
@@ -2655,27 +2655,27 @@
     </p:spTree>
     <p:extLst>
       <p:ext uri="{BB962C8B-B14F-4D97-AF65-F5344CB8AC3E}">
-        <p14:creationId xmlns:p14="http://schemas.microsoft.com/office/powerpoint/2010/main" val="1055912294"/>
+        <p14:creationId xmlns:p14="http://schemas.microsoft.com/office/powerpoint/2010/main" val="2750778997"/>
       </p:ext>
     </p:extLst>
   </p:cSld>
   <p:clrMap bg1="lt1" tx1="dk1" bg2="lt2" tx2="dk2" accent1="accent1" accent2="accent2" accent3="accent3" accent4="accent4" accent5="accent5" accent6="accent6" hlink="hlink" folHlink="folHlink"/>
   <p:sldLayoutIdLst>
-    <p:sldLayoutId id="2147483889" r:id="rId1"/>
-    <p:sldLayoutId id="2147483890" r:id="rId2"/>
-    <p:sldLayoutId id="2147483891" r:id="rId3"/>
-    <p:sldLayoutId id="2147483892" r:id="rId4"/>
-    <p:sldLayoutId id="2147483893" r:id="rId5"/>
-    <p:sldLayoutId id="2147483894" r:id="rId6"/>
-    <p:sldLayoutId id="2147483895" r:id="rId7"/>
-    <p:sldLayoutId id="2147483896" r:id="rId8"/>
-    <p:sldLayoutId id="2147483897" r:id="rId9"/>
-    <p:sldLayoutId id="2147483898" r:id="rId10"/>
-    <p:sldLayoutId id="2147483899" r:id="rId11"/>
+    <p:sldLayoutId id="2147483901" r:id="rId1"/>
+    <p:sldLayoutId id="2147483902" r:id="rId2"/>
+    <p:sldLayoutId id="2147483903" r:id="rId3"/>
+    <p:sldLayoutId id="2147483904" r:id="rId4"/>
+    <p:sldLayoutId id="2147483905" r:id="rId5"/>
+    <p:sldLayoutId id="2147483906" r:id="rId6"/>
+    <p:sldLayoutId id="2147483907" r:id="rId7"/>
+    <p:sldLayoutId id="2147483908" r:id="rId8"/>
+    <p:sldLayoutId id="2147483909" r:id="rId9"/>
+    <p:sldLayoutId id="2147483910" r:id="rId10"/>
+    <p:sldLayoutId id="2147483911" r:id="rId11"/>
   </p:sldLayoutIdLst>
   <p:txStyles>
     <p:titleStyle>
-      <a:lvl1pPr algn="l" defTabSz="960120" rtl="0" eaLnBrk="1" latinLnBrk="0" hangingPunct="1">
+      <a:lvl1pPr algn="l" defTabSz="925830" rtl="0" eaLnBrk="1" latinLnBrk="0" hangingPunct="1">
         <a:lnSpc>
           <a:spcPct val="90000"/>
         </a:lnSpc>
@@ -2683,7 +2683,7 @@
           <a:spcPct val="0"/>
         </a:spcBef>
         <a:buNone/>
-        <a:defRPr sz="4620" kern="1200">
+        <a:defRPr sz="4455" kern="1200">
           <a:solidFill>
             <a:schemeClr val="tx1"/>
           </a:solidFill>
@@ -2694,16 +2694,16 @@
       </a:lvl1pPr>
     </p:titleStyle>
     <p:bodyStyle>
-      <a:lvl1pPr marL="240030" indent="-240030" algn="l" defTabSz="960120" rtl="0" eaLnBrk="1" latinLnBrk="0" hangingPunct="1">
+      <a:lvl1pPr marL="231458" indent="-231458" algn="l" defTabSz="925830" rtl="0" eaLnBrk="1" latinLnBrk="0" hangingPunct="1">
         <a:lnSpc>
           <a:spcPct val="90000"/>
         </a:lnSpc>
         <a:spcBef>
-          <a:spcPts val="1050"/>
+          <a:spcPts val="1013"/>
         </a:spcBef>
         <a:buFont typeface="Arial" panose="020B0604020202020204" pitchFamily="34" charset="0"/>
         <a:buChar char="•"/>
-        <a:defRPr sz="2940" kern="1200">
+        <a:defRPr sz="2835" kern="1200">
           <a:solidFill>
             <a:schemeClr val="tx1"/>
           </a:solidFill>
@@ -2712,16 +2712,16 @@
           <a:cs typeface="+mn-cs"/>
         </a:defRPr>
       </a:lvl1pPr>
-      <a:lvl2pPr marL="720090" indent="-240030" algn="l" defTabSz="960120" rtl="0" eaLnBrk="1" latinLnBrk="0" hangingPunct="1">
+      <a:lvl2pPr marL="694373" indent="-231458" algn="l" defTabSz="925830" rtl="0" eaLnBrk="1" latinLnBrk="0" hangingPunct="1">
         <a:lnSpc>
           <a:spcPct val="90000"/>
         </a:lnSpc>
         <a:spcBef>
-          <a:spcPts val="525"/>
+          <a:spcPts val="506"/>
         </a:spcBef>
         <a:buFont typeface="Arial" panose="020B0604020202020204" pitchFamily="34" charset="0"/>
         <a:buChar char="•"/>
-        <a:defRPr sz="2520" kern="1200">
+        <a:defRPr sz="2430" kern="1200">
           <a:solidFill>
             <a:schemeClr val="tx1"/>
           </a:solidFill>
@@ -2730,16 +2730,16 @@
           <a:cs typeface="+mn-cs"/>
         </a:defRPr>
       </a:lvl2pPr>
-      <a:lvl3pPr marL="1200150" indent="-240030" algn="l" defTabSz="960120" rtl="0" eaLnBrk="1" latinLnBrk="0" hangingPunct="1">
+      <a:lvl3pPr marL="1157288" indent="-231458" algn="l" defTabSz="925830" rtl="0" eaLnBrk="1" latinLnBrk="0" hangingPunct="1">
         <a:lnSpc>
           <a:spcPct val="90000"/>
         </a:lnSpc>
         <a:spcBef>
-          <a:spcPts val="525"/>
+          <a:spcPts val="506"/>
         </a:spcBef>
         <a:buFont typeface="Arial" panose="020B0604020202020204" pitchFamily="34" charset="0"/>
         <a:buChar char="•"/>
-        <a:defRPr sz="2100" kern="1200">
+        <a:defRPr sz="2025" kern="1200">
           <a:solidFill>
             <a:schemeClr val="tx1"/>
           </a:solidFill>
@@ -2748,16 +2748,16 @@
           <a:cs typeface="+mn-cs"/>
         </a:defRPr>
       </a:lvl3pPr>
-      <a:lvl4pPr marL="1680210" indent="-240030" algn="l" defTabSz="960120" rtl="0" eaLnBrk="1" latinLnBrk="0" hangingPunct="1">
+      <a:lvl4pPr marL="1620203" indent="-231458" algn="l" defTabSz="925830" rtl="0" eaLnBrk="1" latinLnBrk="0" hangingPunct="1">
         <a:lnSpc>
           <a:spcPct val="90000"/>
         </a:lnSpc>
         <a:spcBef>
-          <a:spcPts val="525"/>
+          <a:spcPts val="506"/>
         </a:spcBef>
         <a:buFont typeface="Arial" panose="020B0604020202020204" pitchFamily="34" charset="0"/>
         <a:buChar char="•"/>
-        <a:defRPr sz="1890" kern="1200">
+        <a:defRPr sz="1823" kern="1200">
           <a:solidFill>
             <a:schemeClr val="tx1"/>
           </a:solidFill>
@@ -2766,16 +2766,16 @@
           <a:cs typeface="+mn-cs"/>
         </a:defRPr>
       </a:lvl4pPr>
-      <a:lvl5pPr marL="2160270" indent="-240030" algn="l" defTabSz="960120" rtl="0" eaLnBrk="1" latinLnBrk="0" hangingPunct="1">
+      <a:lvl5pPr marL="2083118" indent="-231458" algn="l" defTabSz="925830" rtl="0" eaLnBrk="1" latinLnBrk="0" hangingPunct="1">
         <a:lnSpc>
           <a:spcPct val="90000"/>
         </a:lnSpc>
         <a:spcBef>
-          <a:spcPts val="525"/>
+          <a:spcPts val="506"/>
         </a:spcBef>
         <a:buFont typeface="Arial" panose="020B0604020202020204" pitchFamily="34" charset="0"/>
         <a:buChar char="•"/>
-        <a:defRPr sz="1890" kern="1200">
+        <a:defRPr sz="1823" kern="1200">
           <a:solidFill>
             <a:schemeClr val="tx1"/>
           </a:solidFill>
@@ -2784,16 +2784,16 @@
           <a:cs typeface="+mn-cs"/>
         </a:defRPr>
       </a:lvl5pPr>
-      <a:lvl6pPr marL="2640330" indent="-240030" algn="l" defTabSz="960120" rtl="0" eaLnBrk="1" latinLnBrk="0" hangingPunct="1">
+      <a:lvl6pPr marL="2546033" indent="-231458" algn="l" defTabSz="925830" rtl="0" eaLnBrk="1" latinLnBrk="0" hangingPunct="1">
         <a:lnSpc>
           <a:spcPct val="90000"/>
         </a:lnSpc>
         <a:spcBef>
-          <a:spcPts val="525"/>
+          <a:spcPts val="506"/>
         </a:spcBef>
         <a:buFont typeface="Arial" panose="020B0604020202020204" pitchFamily="34" charset="0"/>
         <a:buChar char="•"/>
-        <a:defRPr sz="1890" kern="1200">
+        <a:defRPr sz="1823" kern="1200">
           <a:solidFill>
             <a:schemeClr val="tx1"/>
           </a:solidFill>
@@ -2802,16 +2802,16 @@
           <a:cs typeface="+mn-cs"/>
         </a:defRPr>
       </a:lvl6pPr>
-      <a:lvl7pPr marL="3120390" indent="-240030" algn="l" defTabSz="960120" rtl="0" eaLnBrk="1" latinLnBrk="0" hangingPunct="1">
+      <a:lvl7pPr marL="3008948" indent="-231458" algn="l" defTabSz="925830" rtl="0" eaLnBrk="1" latinLnBrk="0" hangingPunct="1">
         <a:lnSpc>
           <a:spcPct val="90000"/>
         </a:lnSpc>
         <a:spcBef>
-          <a:spcPts val="525"/>
+          <a:spcPts val="506"/>
         </a:spcBef>
         <a:buFont typeface="Arial" panose="020B0604020202020204" pitchFamily="34" charset="0"/>
         <a:buChar char="•"/>
-        <a:defRPr sz="1890" kern="1200">
+        <a:defRPr sz="1823" kern="1200">
           <a:solidFill>
             <a:schemeClr val="tx1"/>
           </a:solidFill>
@@ -2820,16 +2820,16 @@
           <a:cs typeface="+mn-cs"/>
         </a:defRPr>
       </a:lvl7pPr>
-      <a:lvl8pPr marL="3600450" indent="-240030" algn="l" defTabSz="960120" rtl="0" eaLnBrk="1" latinLnBrk="0" hangingPunct="1">
+      <a:lvl8pPr marL="3471863" indent="-231458" algn="l" defTabSz="925830" rtl="0" eaLnBrk="1" latinLnBrk="0" hangingPunct="1">
         <a:lnSpc>
           <a:spcPct val="90000"/>
         </a:lnSpc>
         <a:spcBef>
-          <a:spcPts val="525"/>
+          <a:spcPts val="506"/>
         </a:spcBef>
         <a:buFont typeface="Arial" panose="020B0604020202020204" pitchFamily="34" charset="0"/>
         <a:buChar char="•"/>
-        <a:defRPr sz="1890" kern="1200">
+        <a:defRPr sz="1823" kern="1200">
           <a:solidFill>
             <a:schemeClr val="tx1"/>
           </a:solidFill>
@@ -2838,16 +2838,16 @@
           <a:cs typeface="+mn-cs"/>
         </a:defRPr>
       </a:lvl8pPr>
-      <a:lvl9pPr marL="4080510" indent="-240030" algn="l" defTabSz="960120" rtl="0" eaLnBrk="1" latinLnBrk="0" hangingPunct="1">
+      <a:lvl9pPr marL="3934778" indent="-231458" algn="l" defTabSz="925830" rtl="0" eaLnBrk="1" latinLnBrk="0" hangingPunct="1">
         <a:lnSpc>
           <a:spcPct val="90000"/>
         </a:lnSpc>
         <a:spcBef>
-          <a:spcPts val="525"/>
+          <a:spcPts val="506"/>
         </a:spcBef>
         <a:buFont typeface="Arial" panose="020B0604020202020204" pitchFamily="34" charset="0"/>
         <a:buChar char="•"/>
-        <a:defRPr sz="1890" kern="1200">
+        <a:defRPr sz="1823" kern="1200">
           <a:solidFill>
             <a:schemeClr val="tx1"/>
           </a:solidFill>
@@ -2861,8 +2861,8 @@
       <a:defPPr>
         <a:defRPr lang="en-US"/>
       </a:defPPr>
-      <a:lvl1pPr marL="0" algn="l" defTabSz="960120" rtl="0" eaLnBrk="1" latinLnBrk="0" hangingPunct="1">
-        <a:defRPr sz="1890" kern="1200">
+      <a:lvl1pPr marL="0" algn="l" defTabSz="925830" rtl="0" eaLnBrk="1" latinLnBrk="0" hangingPunct="1">
+        <a:defRPr sz="1823" kern="1200">
           <a:solidFill>
             <a:schemeClr val="tx1"/>
           </a:solidFill>
@@ -2871,8 +2871,8 @@
           <a:cs typeface="+mn-cs"/>
         </a:defRPr>
       </a:lvl1pPr>
-      <a:lvl2pPr marL="480060" algn="l" defTabSz="960120" rtl="0" eaLnBrk="1" latinLnBrk="0" hangingPunct="1">
-        <a:defRPr sz="1890" kern="1200">
+      <a:lvl2pPr marL="462915" algn="l" defTabSz="925830" rtl="0" eaLnBrk="1" latinLnBrk="0" hangingPunct="1">
+        <a:defRPr sz="1823" kern="1200">
           <a:solidFill>
             <a:schemeClr val="tx1"/>
           </a:solidFill>
@@ -2881,8 +2881,8 @@
           <a:cs typeface="+mn-cs"/>
         </a:defRPr>
       </a:lvl2pPr>
-      <a:lvl3pPr marL="960120" algn="l" defTabSz="960120" rtl="0" eaLnBrk="1" latinLnBrk="0" hangingPunct="1">
-        <a:defRPr sz="1890" kern="1200">
+      <a:lvl3pPr marL="925830" algn="l" defTabSz="925830" rtl="0" eaLnBrk="1" latinLnBrk="0" hangingPunct="1">
+        <a:defRPr sz="1823" kern="1200">
           <a:solidFill>
             <a:schemeClr val="tx1"/>
           </a:solidFill>
@@ -2891,8 +2891,8 @@
           <a:cs typeface="+mn-cs"/>
         </a:defRPr>
       </a:lvl3pPr>
-      <a:lvl4pPr marL="1440180" algn="l" defTabSz="960120" rtl="0" eaLnBrk="1" latinLnBrk="0" hangingPunct="1">
-        <a:defRPr sz="1890" kern="1200">
+      <a:lvl4pPr marL="1388745" algn="l" defTabSz="925830" rtl="0" eaLnBrk="1" latinLnBrk="0" hangingPunct="1">
+        <a:defRPr sz="1823" kern="1200">
           <a:solidFill>
             <a:schemeClr val="tx1"/>
           </a:solidFill>
@@ -2901,8 +2901,8 @@
           <a:cs typeface="+mn-cs"/>
         </a:defRPr>
       </a:lvl4pPr>
-      <a:lvl5pPr marL="1920240" algn="l" defTabSz="960120" rtl="0" eaLnBrk="1" latinLnBrk="0" hangingPunct="1">
-        <a:defRPr sz="1890" kern="1200">
+      <a:lvl5pPr marL="1851660" algn="l" defTabSz="925830" rtl="0" eaLnBrk="1" latinLnBrk="0" hangingPunct="1">
+        <a:defRPr sz="1823" kern="1200">
           <a:solidFill>
             <a:schemeClr val="tx1"/>
           </a:solidFill>
@@ -2911,8 +2911,8 @@
           <a:cs typeface="+mn-cs"/>
         </a:defRPr>
       </a:lvl5pPr>
-      <a:lvl6pPr marL="2400300" algn="l" defTabSz="960120" rtl="0" eaLnBrk="1" latinLnBrk="0" hangingPunct="1">
-        <a:defRPr sz="1890" kern="1200">
+      <a:lvl6pPr marL="2314575" algn="l" defTabSz="925830" rtl="0" eaLnBrk="1" latinLnBrk="0" hangingPunct="1">
+        <a:defRPr sz="1823" kern="1200">
           <a:solidFill>
             <a:schemeClr val="tx1"/>
           </a:solidFill>
@@ -2921,8 +2921,8 @@
           <a:cs typeface="+mn-cs"/>
         </a:defRPr>
       </a:lvl6pPr>
-      <a:lvl7pPr marL="2880360" algn="l" defTabSz="960120" rtl="0" eaLnBrk="1" latinLnBrk="0" hangingPunct="1">
-        <a:defRPr sz="1890" kern="1200">
+      <a:lvl7pPr marL="2777490" algn="l" defTabSz="925830" rtl="0" eaLnBrk="1" latinLnBrk="0" hangingPunct="1">
+        <a:defRPr sz="1823" kern="1200">
           <a:solidFill>
             <a:schemeClr val="tx1"/>
           </a:solidFill>
@@ -2931,8 +2931,8 @@
           <a:cs typeface="+mn-cs"/>
         </a:defRPr>
       </a:lvl7pPr>
-      <a:lvl8pPr marL="3360420" algn="l" defTabSz="960120" rtl="0" eaLnBrk="1" latinLnBrk="0" hangingPunct="1">
-        <a:defRPr sz="1890" kern="1200">
+      <a:lvl8pPr marL="3240405" algn="l" defTabSz="925830" rtl="0" eaLnBrk="1" latinLnBrk="0" hangingPunct="1">
+        <a:defRPr sz="1823" kern="1200">
           <a:solidFill>
             <a:schemeClr val="tx1"/>
           </a:solidFill>
@@ -2941,8 +2941,8 @@
           <a:cs typeface="+mn-cs"/>
         </a:defRPr>
       </a:lvl8pPr>
-      <a:lvl9pPr marL="3840480" algn="l" defTabSz="960120" rtl="0" eaLnBrk="1" latinLnBrk="0" hangingPunct="1">
-        <a:defRPr sz="1890" kern="1200">
+      <a:lvl9pPr marL="3703320" algn="l" defTabSz="925830" rtl="0" eaLnBrk="1" latinLnBrk="0" hangingPunct="1">
+        <a:defRPr sz="1823" kern="1200">
           <a:solidFill>
             <a:schemeClr val="tx1"/>
           </a:solidFill>
@@ -2981,7 +2981,7 @@
         </p:nvSpPr>
         <p:spPr>
           <a:xfrm>
-            <a:off x="9601200" y="6537269"/>
+            <a:off x="9123973" y="6537270"/>
             <a:ext cx="1729792" cy="701731"/>
           </a:xfrm>
           <a:prstGeom prst="rect">
@@ -2999,7 +2999,6 @@
               <a:rPr lang="en-US" sz="3960" i="1" dirty="0"/>
               <a:t>Google</a:t>
             </a:r>
-            <a:endParaRPr lang="en-US" sz="3960" i="1" dirty="0"/>
           </a:p>
         </p:txBody>
       </p:sp>
@@ -3011,7 +3010,7 @@
         </p:nvGrpSpPr>
         <p:grpSpPr>
           <a:xfrm rot="16200000">
-            <a:off x="1446022" y="2152234"/>
+            <a:off x="1297305" y="2152235"/>
             <a:ext cx="353001" cy="2138861"/>
             <a:chOff x="4227575" y="3284354"/>
             <a:chExt cx="325394" cy="1953244"/>
@@ -3351,7 +3350,7 @@
         </p:nvSpPr>
         <p:spPr>
           <a:xfrm>
-            <a:off x="563378" y="6519097"/>
+            <a:off x="414661" y="6519097"/>
             <a:ext cx="741925" cy="685800"/>
           </a:xfrm>
           <a:prstGeom prst="rect">
@@ -3409,7 +3408,7 @@
         </p:nvSpPr>
         <p:spPr>
           <a:xfrm>
-            <a:off x="1777913" y="6519097"/>
+            <a:off x="1629196" y="6519097"/>
             <a:ext cx="741925" cy="685800"/>
           </a:xfrm>
           <a:prstGeom prst="rect">
@@ -3467,7 +3466,7 @@
         </p:nvSpPr>
         <p:spPr>
           <a:xfrm>
-            <a:off x="2992448" y="6519097"/>
+            <a:off x="2843731" y="6519097"/>
             <a:ext cx="741925" cy="685800"/>
           </a:xfrm>
           <a:prstGeom prst="rect">
@@ -3525,7 +3524,7 @@
         </p:nvSpPr>
         <p:spPr>
           <a:xfrm>
-            <a:off x="4206983" y="6519097"/>
+            <a:off x="4058266" y="6519097"/>
             <a:ext cx="741925" cy="685800"/>
           </a:xfrm>
           <a:prstGeom prst="rect">
@@ -3583,7 +3582,7 @@
         </p:nvSpPr>
         <p:spPr>
           <a:xfrm>
-            <a:off x="5421518" y="6519097"/>
+            <a:off x="5272801" y="6519097"/>
             <a:ext cx="741925" cy="685800"/>
           </a:xfrm>
           <a:prstGeom prst="rect">
@@ -3641,7 +3640,7 @@
         </p:nvSpPr>
         <p:spPr>
           <a:xfrm>
-            <a:off x="6636053" y="6519097"/>
+            <a:off x="6487336" y="6519097"/>
             <a:ext cx="741925" cy="685800"/>
           </a:xfrm>
           <a:prstGeom prst="rect">
@@ -3699,7 +3698,7 @@
         </p:nvSpPr>
         <p:spPr>
           <a:xfrm>
-            <a:off x="529719" y="5094524"/>
+            <a:off x="381002" y="5094524"/>
             <a:ext cx="828163" cy="846280"/>
           </a:xfrm>
           <a:prstGeom prst="diamond">
@@ -3746,7 +3745,7 @@
         </p:nvSpPr>
         <p:spPr>
           <a:xfrm>
-            <a:off x="1731078" y="5094524"/>
+            <a:off x="1582361" y="5094524"/>
             <a:ext cx="828163" cy="846280"/>
           </a:xfrm>
           <a:prstGeom prst="diamond">
@@ -3796,7 +3795,7 @@
         </p:nvCxnSpPr>
         <p:spPr>
           <a:xfrm>
-            <a:off x="1357881" y="5517664"/>
+            <a:off x="1209163" y="5517664"/>
             <a:ext cx="373196" cy="0"/>
           </a:xfrm>
           <a:prstGeom prst="straightConnector1">
@@ -3829,7 +3828,7 @@
         </p:nvSpPr>
         <p:spPr>
           <a:xfrm>
-            <a:off x="2992448" y="5094524"/>
+            <a:off x="2843731" y="5094524"/>
             <a:ext cx="828163" cy="846280"/>
           </a:xfrm>
           <a:prstGeom prst="diamond">
@@ -3876,7 +3875,7 @@
         </p:nvSpPr>
         <p:spPr>
           <a:xfrm>
-            <a:off x="4193807" y="5094524"/>
+            <a:off x="4045090" y="5094524"/>
             <a:ext cx="828163" cy="846280"/>
           </a:xfrm>
           <a:prstGeom prst="diamond">
@@ -3926,7 +3925,7 @@
         </p:nvCxnSpPr>
         <p:spPr>
           <a:xfrm>
-            <a:off x="3820610" y="5517664"/>
+            <a:off x="3671892" y="5517664"/>
             <a:ext cx="373196" cy="0"/>
           </a:xfrm>
           <a:prstGeom prst="straightConnector1">
@@ -3959,7 +3958,7 @@
         </p:nvSpPr>
         <p:spPr>
           <a:xfrm>
-            <a:off x="5395463" y="5094524"/>
+            <a:off x="5246746" y="5094524"/>
             <a:ext cx="828163" cy="846280"/>
           </a:xfrm>
           <a:prstGeom prst="diamond">
@@ -4006,7 +4005,7 @@
         </p:nvSpPr>
         <p:spPr>
           <a:xfrm>
-            <a:off x="6596822" y="5094524"/>
+            <a:off x="6448105" y="5094524"/>
             <a:ext cx="828163" cy="846280"/>
           </a:xfrm>
           <a:prstGeom prst="diamond">
@@ -4056,7 +4055,7 @@
         </p:nvCxnSpPr>
         <p:spPr>
           <a:xfrm>
-            <a:off x="6223625" y="5517664"/>
+            <a:off x="6074907" y="5517664"/>
             <a:ext cx="373196" cy="0"/>
           </a:xfrm>
           <a:prstGeom prst="straightConnector1">
@@ -4091,7 +4090,7 @@
         </p:nvCxnSpPr>
         <p:spPr>
           <a:xfrm>
-            <a:off x="2559241" y="5517664"/>
+            <a:off x="2410524" y="5517664"/>
             <a:ext cx="433207" cy="0"/>
           </a:xfrm>
           <a:prstGeom prst="straightConnector1">
@@ -4126,7 +4125,7 @@
         </p:nvCxnSpPr>
         <p:spPr>
           <a:xfrm>
-            <a:off x="5021970" y="5517664"/>
+            <a:off x="4873253" y="5517664"/>
             <a:ext cx="373493" cy="0"/>
           </a:xfrm>
           <a:prstGeom prst="straightConnector1">
@@ -4162,7 +4161,7 @@
         </p:nvCxnSpPr>
         <p:spPr>
           <a:xfrm flipV="1">
-            <a:off x="934340" y="5940805"/>
+            <a:off x="785622" y="5940806"/>
             <a:ext cx="9460" cy="578293"/>
           </a:xfrm>
           <a:prstGeom prst="straightConnector1">
@@ -4195,7 +4194,7 @@
         </p:nvCxnSpPr>
         <p:spPr>
           <a:xfrm flipV="1">
-            <a:off x="2145158" y="5940804"/>
+            <a:off x="1996440" y="5940805"/>
             <a:ext cx="9460" cy="578293"/>
           </a:xfrm>
           <a:prstGeom prst="straightConnector1">
@@ -4228,7 +4227,7 @@
         </p:nvCxnSpPr>
         <p:spPr>
           <a:xfrm flipV="1">
-            <a:off x="3386859" y="5933273"/>
+            <a:off x="3238141" y="5933274"/>
             <a:ext cx="9460" cy="578293"/>
           </a:xfrm>
           <a:prstGeom prst="straightConnector1">
@@ -4261,7 +4260,7 @@
         </p:nvCxnSpPr>
         <p:spPr>
           <a:xfrm flipV="1">
-            <a:off x="4597677" y="5933274"/>
+            <a:off x="4448959" y="5933275"/>
             <a:ext cx="9460" cy="578293"/>
           </a:xfrm>
           <a:prstGeom prst="straightConnector1">
@@ -4294,7 +4293,7 @@
         </p:nvCxnSpPr>
         <p:spPr>
           <a:xfrm flipV="1">
-            <a:off x="5798163" y="5945392"/>
+            <a:off x="5649445" y="5945393"/>
             <a:ext cx="9460" cy="578293"/>
           </a:xfrm>
           <a:prstGeom prst="straightConnector1">
@@ -4327,7 +4326,7 @@
         </p:nvCxnSpPr>
         <p:spPr>
           <a:xfrm flipV="1">
-            <a:off x="6997554" y="5940804"/>
+            <a:off x="6848836" y="5940805"/>
             <a:ext cx="9460" cy="578293"/>
           </a:xfrm>
           <a:prstGeom prst="straightConnector1">
@@ -4360,7 +4359,7 @@
         </p:nvSpPr>
         <p:spPr>
           <a:xfrm>
-            <a:off x="793888" y="5317609"/>
+            <a:off x="645170" y="5317609"/>
             <a:ext cx="381000" cy="400110"/>
           </a:xfrm>
           <a:prstGeom prst="rect">
@@ -4389,7 +4388,7 @@
         </p:nvSpPr>
         <p:spPr>
           <a:xfrm>
-            <a:off x="1995664" y="5308615"/>
+            <a:off x="1846946" y="5308615"/>
             <a:ext cx="381000" cy="400110"/>
           </a:xfrm>
           <a:prstGeom prst="rect">
@@ -4418,7 +4417,7 @@
         </p:nvSpPr>
         <p:spPr>
           <a:xfrm>
-            <a:off x="3256617" y="5317609"/>
+            <a:off x="3107899" y="5317609"/>
             <a:ext cx="381000" cy="400110"/>
           </a:xfrm>
           <a:prstGeom prst="rect">
@@ -4447,7 +4446,7 @@
         </p:nvSpPr>
         <p:spPr>
           <a:xfrm>
-            <a:off x="4458273" y="5308615"/>
+            <a:off x="4309555" y="5308615"/>
             <a:ext cx="381000" cy="400110"/>
           </a:xfrm>
           <a:prstGeom prst="rect">
@@ -4476,7 +4475,7 @@
         </p:nvSpPr>
         <p:spPr>
           <a:xfrm>
-            <a:off x="5656027" y="5317609"/>
+            <a:off x="5507309" y="5317609"/>
             <a:ext cx="381000" cy="400110"/>
           </a:xfrm>
           <a:prstGeom prst="rect">
@@ -4505,7 +4504,7 @@
         </p:nvSpPr>
         <p:spPr>
           <a:xfrm>
-            <a:off x="6858430" y="5317609"/>
+            <a:off x="6709712" y="5317609"/>
             <a:ext cx="381000" cy="400110"/>
           </a:xfrm>
           <a:prstGeom prst="rect">
@@ -4534,7 +4533,7 @@
         </p:nvSpPr>
         <p:spPr>
           <a:xfrm>
-            <a:off x="529719" y="3869873"/>
+            <a:off x="381002" y="3869873"/>
             <a:ext cx="828163" cy="846280"/>
           </a:xfrm>
           <a:prstGeom prst="diamond">
@@ -4585,7 +4584,7 @@
         </p:nvSpPr>
         <p:spPr>
           <a:xfrm>
-            <a:off x="1731078" y="3869873"/>
+            <a:off x="1582361" y="3869873"/>
             <a:ext cx="828163" cy="846280"/>
           </a:xfrm>
           <a:prstGeom prst="diamond">
@@ -4639,7 +4638,7 @@
         </p:nvCxnSpPr>
         <p:spPr>
           <a:xfrm flipH="1">
-            <a:off x="1357881" y="4293013"/>
+            <a:off x="1209163" y="4293013"/>
             <a:ext cx="373196" cy="0"/>
           </a:xfrm>
           <a:prstGeom prst="straightConnector1">
@@ -4675,7 +4674,7 @@
         </p:nvSpPr>
         <p:spPr>
           <a:xfrm>
-            <a:off x="2992448" y="3869873"/>
+            <a:off x="2843731" y="3869873"/>
             <a:ext cx="828163" cy="846280"/>
           </a:xfrm>
           <a:prstGeom prst="diamond">
@@ -4726,7 +4725,7 @@
         </p:nvSpPr>
         <p:spPr>
           <a:xfrm>
-            <a:off x="4193807" y="3869873"/>
+            <a:off x="4045090" y="3869873"/>
             <a:ext cx="828163" cy="846280"/>
           </a:xfrm>
           <a:prstGeom prst="diamond">
@@ -4780,7 +4779,7 @@
         </p:nvCxnSpPr>
         <p:spPr>
           <a:xfrm flipH="1">
-            <a:off x="3820610" y="4293013"/>
+            <a:off x="3671892" y="4293013"/>
             <a:ext cx="373196" cy="0"/>
           </a:xfrm>
           <a:prstGeom prst="straightConnector1">
@@ -4816,7 +4815,7 @@
         </p:nvSpPr>
         <p:spPr>
           <a:xfrm>
-            <a:off x="5395463" y="3869873"/>
+            <a:off x="5246746" y="3869873"/>
             <a:ext cx="828163" cy="846280"/>
           </a:xfrm>
           <a:prstGeom prst="diamond">
@@ -4867,7 +4866,7 @@
         </p:nvSpPr>
         <p:spPr>
           <a:xfrm>
-            <a:off x="6596822" y="3869873"/>
+            <a:off x="6448105" y="3869873"/>
             <a:ext cx="828163" cy="846280"/>
           </a:xfrm>
           <a:prstGeom prst="diamond">
@@ -4921,7 +4920,7 @@
         </p:nvCxnSpPr>
         <p:spPr>
           <a:xfrm flipH="1">
-            <a:off x="6223625" y="4293013"/>
+            <a:off x="6074907" y="4293013"/>
             <a:ext cx="373196" cy="0"/>
           </a:xfrm>
           <a:prstGeom prst="straightConnector1">
@@ -4960,7 +4959,7 @@
         </p:nvCxnSpPr>
         <p:spPr>
           <a:xfrm flipH="1">
-            <a:off x="2559241" y="4293013"/>
+            <a:off x="2410524" y="4293013"/>
             <a:ext cx="433207" cy="0"/>
           </a:xfrm>
           <a:prstGeom prst="straightConnector1">
@@ -4999,7 +4998,7 @@
         </p:nvCxnSpPr>
         <p:spPr>
           <a:xfrm flipH="1">
-            <a:off x="5021970" y="4293013"/>
+            <a:off x="4873253" y="4293013"/>
             <a:ext cx="373493" cy="0"/>
           </a:xfrm>
           <a:prstGeom prst="straightConnector1">
@@ -5035,7 +5034,7 @@
         </p:nvSpPr>
         <p:spPr>
           <a:xfrm>
-            <a:off x="793888" y="4092958"/>
+            <a:off x="645170" y="4092958"/>
             <a:ext cx="381000" cy="400110"/>
           </a:xfrm>
           <a:prstGeom prst="rect">
@@ -5067,7 +5066,7 @@
         </p:nvSpPr>
         <p:spPr>
           <a:xfrm>
-            <a:off x="3256617" y="4092958"/>
+            <a:off x="3107899" y="4092958"/>
             <a:ext cx="381000" cy="400110"/>
           </a:xfrm>
           <a:prstGeom prst="rect">
@@ -5099,7 +5098,7 @@
         </p:nvSpPr>
         <p:spPr>
           <a:xfrm>
-            <a:off x="4458273" y="4083964"/>
+            <a:off x="4309555" y="4083964"/>
             <a:ext cx="381000" cy="400110"/>
           </a:xfrm>
           <a:prstGeom prst="rect">
@@ -5131,7 +5130,7 @@
         </p:nvSpPr>
         <p:spPr>
           <a:xfrm>
-            <a:off x="5656027" y="4092958"/>
+            <a:off x="5507309" y="4092958"/>
             <a:ext cx="381000" cy="400110"/>
           </a:xfrm>
           <a:prstGeom prst="rect">
@@ -5163,7 +5162,7 @@
         </p:nvSpPr>
         <p:spPr>
           <a:xfrm>
-            <a:off x="6858430" y="4092958"/>
+            <a:off x="6709712" y="4092958"/>
             <a:ext cx="381000" cy="400110"/>
           </a:xfrm>
           <a:prstGeom prst="rect">
@@ -5195,7 +5194,7 @@
         </p:nvSpPr>
         <p:spPr>
           <a:xfrm>
-            <a:off x="1995247" y="4083964"/>
+            <a:off x="1846529" y="4083964"/>
             <a:ext cx="381000" cy="400110"/>
           </a:xfrm>
           <a:prstGeom prst="rect">
@@ -5227,7 +5226,7 @@
         </p:nvSpPr>
         <p:spPr>
           <a:xfrm>
-            <a:off x="940034" y="4511039"/>
+            <a:off x="791316" y="4511039"/>
             <a:ext cx="572526" cy="1996440"/>
           </a:xfrm>
           <a:custGeom>
@@ -5317,7 +5316,7 @@
         </p:nvSpPr>
         <p:spPr>
           <a:xfrm>
-            <a:off x="2158312" y="4510450"/>
+            <a:off x="2009594" y="4510450"/>
             <a:ext cx="572526" cy="1996440"/>
           </a:xfrm>
           <a:custGeom>
@@ -5407,7 +5406,7 @@
         </p:nvSpPr>
         <p:spPr>
           <a:xfrm>
-            <a:off x="3397549" y="4500600"/>
+            <a:off x="3248831" y="4500600"/>
             <a:ext cx="572526" cy="1996440"/>
           </a:xfrm>
           <a:custGeom>
@@ -5497,7 +5496,7 @@
         </p:nvSpPr>
         <p:spPr>
           <a:xfrm>
-            <a:off x="4614814" y="4504125"/>
+            <a:off x="4466096" y="4504125"/>
             <a:ext cx="572526" cy="1996440"/>
           </a:xfrm>
           <a:custGeom>
@@ -5587,7 +5586,7 @@
         </p:nvSpPr>
         <p:spPr>
           <a:xfrm>
-            <a:off x="5805075" y="4519444"/>
+            <a:off x="5656357" y="4519444"/>
             <a:ext cx="572526" cy="1996440"/>
           </a:xfrm>
           <a:custGeom>
@@ -5677,7 +5676,7 @@
         </p:nvSpPr>
         <p:spPr>
           <a:xfrm>
-            <a:off x="7014224" y="4502574"/>
+            <a:off x="6865506" y="4502574"/>
             <a:ext cx="572526" cy="1996440"/>
           </a:xfrm>
           <a:custGeom>
@@ -5770,12 +5769,12 @@
         </p:nvCxnSpPr>
         <p:spPr>
           <a:xfrm rot="10800000" flipH="1">
-            <a:off x="529718" y="3221664"/>
+            <a:off x="381001" y="3221665"/>
             <a:ext cx="23373" cy="1071351"/>
           </a:xfrm>
           <a:prstGeom prst="curvedConnector3">
             <a:avLst>
-              <a:gd name="adj1" fmla="val -2010439"/>
+              <a:gd name="adj1" fmla="val -1471805"/>
             </a:avLst>
           </a:prstGeom>
           <a:ln w="38100">
@@ -5808,12 +5807,12 @@
         </p:nvCxnSpPr>
         <p:spPr>
           <a:xfrm flipV="1">
-            <a:off x="7424985" y="3221662"/>
+            <a:off x="7276268" y="3221662"/>
             <a:ext cx="22047" cy="2296002"/>
           </a:xfrm>
           <a:prstGeom prst="curvedConnector3">
             <a:avLst>
-              <a:gd name="adj1" fmla="val 2598939"/>
+              <a:gd name="adj1" fmla="val 2148120"/>
             </a:avLst>
           </a:prstGeom>
           <a:ln w="38100">
@@ -5843,7 +5842,7 @@
         </p:nvGrpSpPr>
         <p:grpSpPr>
           <a:xfrm rot="16200000">
-            <a:off x="6201101" y="2152231"/>
+            <a:off x="6052384" y="2152232"/>
             <a:ext cx="353001" cy="2138861"/>
             <a:chOff x="4227575" y="3284354"/>
             <a:chExt cx="325394" cy="1953244"/>
@@ -6159,7 +6158,7 @@
         </p:nvGrpSpPr>
         <p:grpSpPr>
           <a:xfrm rot="16200000">
-            <a:off x="9132042" y="2152227"/>
+            <a:off x="8654816" y="2152228"/>
             <a:ext cx="353001" cy="2138861"/>
             <a:chOff x="4227575" y="3284354"/>
             <a:chExt cx="325394" cy="1953244"/>
@@ -6499,7 +6498,7 @@
         </p:nvSpPr>
         <p:spPr>
           <a:xfrm>
-            <a:off x="8658233" y="4562995"/>
+            <a:off x="8181007" y="4562996"/>
             <a:ext cx="1300621" cy="1154725"/>
           </a:xfrm>
           <a:prstGeom prst="rect">
@@ -6560,7 +6559,7 @@
         </p:nvCxnSpPr>
         <p:spPr>
           <a:xfrm flipH="1" flipV="1">
-            <a:off x="9308544" y="5717720"/>
+            <a:off x="8831318" y="5717721"/>
             <a:ext cx="1157553" cy="819549"/>
           </a:xfrm>
           <a:prstGeom prst="straightConnector1">
@@ -6596,7 +6595,7 @@
         </p:nvSpPr>
         <p:spPr>
           <a:xfrm>
-            <a:off x="11012155" y="4557338"/>
+            <a:off x="10534929" y="4557339"/>
             <a:ext cx="1300621" cy="1154725"/>
           </a:xfrm>
           <a:prstGeom prst="rect">
@@ -6657,7 +6656,7 @@
         </p:nvCxnSpPr>
         <p:spPr>
           <a:xfrm flipV="1">
-            <a:off x="10466097" y="5712062"/>
+            <a:off x="9988871" y="5712062"/>
             <a:ext cx="1196369" cy="825206"/>
           </a:xfrm>
           <a:prstGeom prst="straightConnector1">
@@ -6693,7 +6692,7 @@
         </p:nvGrpSpPr>
         <p:grpSpPr>
           <a:xfrm rot="16200000">
-            <a:off x="11512962" y="2152227"/>
+            <a:off x="11035736" y="2152228"/>
             <a:ext cx="353001" cy="2138861"/>
             <a:chOff x="4227575" y="3284354"/>
             <a:chExt cx="325394" cy="1953244"/>
@@ -7035,7 +7034,7 @@
         </p:nvCxnSpPr>
         <p:spPr>
           <a:xfrm flipH="1" flipV="1">
-            <a:off x="9307159" y="3398154"/>
+            <a:off x="8829932" y="3398154"/>
             <a:ext cx="1384" cy="1164840"/>
           </a:xfrm>
           <a:prstGeom prst="straightConnector1">
@@ -7071,7 +7070,7 @@
         </p:nvCxnSpPr>
         <p:spPr>
           <a:xfrm flipH="1" flipV="1">
-            <a:off x="11681824" y="3398154"/>
+            <a:off x="11204597" y="3398154"/>
             <a:ext cx="1384" cy="1164840"/>
           </a:xfrm>
           <a:prstGeom prst="straightConnector1">
@@ -7107,7 +7106,7 @@
         </p:nvSpPr>
         <p:spPr>
           <a:xfrm rot="5400000">
-            <a:off x="3816008" y="-316101"/>
+            <a:off x="3667290" y="-316101"/>
             <a:ext cx="367184" cy="6180987"/>
           </a:xfrm>
           <a:prstGeom prst="leftBrace">
@@ -7146,9 +7145,6 @@
           <a:p>
             <a:pPr algn="ctr"/>
             <a:endParaRPr lang="en-US" sz="1396">
-              <a:solidFill>
-                <a:schemeClr val="lt1"/>
-              </a:solidFill>
               <a:latin typeface="Times New Roman" panose="02020603050405020304" pitchFamily="18" charset="0"/>
               <a:cs typeface="Times New Roman" panose="02020603050405020304" pitchFamily="18" charset="0"/>
             </a:endParaRPr>
@@ -7163,8 +7159,8 @@
         </p:nvSpPr>
         <p:spPr>
           <a:xfrm>
-            <a:off x="2217902" y="2052935"/>
-            <a:ext cx="3649499" cy="461665"/>
+            <a:off x="1487377" y="1951754"/>
+            <a:ext cx="4863659" cy="461665"/>
           </a:xfrm>
           <a:prstGeom prst="rect">
             <a:avLst/>
@@ -7178,9 +7174,10 @@
           <a:lstStyle/>
           <a:p>
             <a:r>
-              <a:rPr lang="en-US" sz="2400" dirty="0"/>
-              <a:t>Embedding from characters</a:t>
+              <a:rPr lang="en-US" altLang="zh-CN" sz="2400" dirty="0"/>
+              <a:t>Character-level Word Representation</a:t>
             </a:r>
+            <a:endParaRPr lang="en-US" sz="2400" dirty="0"/>
           </a:p>
         </p:txBody>
       </p:sp>
@@ -7192,7 +7189,7 @@
         </p:nvSpPr>
         <p:spPr>
           <a:xfrm>
-            <a:off x="8177109" y="1905000"/>
+            <a:off x="7699882" y="1905001"/>
             <a:ext cx="2315630" cy="830997"/>
           </a:xfrm>
           <a:prstGeom prst="rect">
@@ -7209,8 +7206,9 @@
             <a:pPr algn="ctr"/>
             <a:r>
               <a:rPr lang="en-US" sz="2400" dirty="0"/>
-              <a:t>Embedding from lookup table</a:t>
+              <a:t>Word-level Word Representation</a:t>
             </a:r>
+            <a:endParaRPr lang="en-US" sz="2400" dirty="0"/>
           </a:p>
         </p:txBody>
       </p:sp>
@@ -7222,8 +7220,8 @@
         </p:nvSpPr>
         <p:spPr>
           <a:xfrm>
-            <a:off x="10820400" y="1905000"/>
-            <a:ext cx="1704936" cy="830997"/>
+            <a:off x="10015513" y="1905001"/>
+            <a:ext cx="2308861" cy="830997"/>
           </a:xfrm>
           <a:prstGeom prst="rect">
             <a:avLst/>
@@ -7239,8 +7237,9 @@
             <a:pPr algn="ctr"/>
             <a:r>
               <a:rPr lang="en-US" sz="2400" dirty="0"/>
-              <a:t>Syntactic Embedding</a:t>
+              <a:t>Syntactical Word Representation</a:t>
             </a:r>
+            <a:endParaRPr lang="en-US" sz="2400" dirty="0"/>
           </a:p>
         </p:txBody>
       </p:sp>
@@ -7252,7 +7251,7 @@
         </p:nvGrpSpPr>
         <p:grpSpPr>
           <a:xfrm>
-            <a:off x="1903019" y="695581"/>
+            <a:off x="2137283" y="685800"/>
             <a:ext cx="8567763" cy="353010"/>
             <a:chOff x="1981200" y="2771190"/>
             <a:chExt cx="8567763" cy="353010"/>
@@ -8467,8 +8466,8 @@
         </p:nvSpPr>
         <p:spPr>
           <a:xfrm rot="5400000">
-            <a:off x="5871154" y="-3582114"/>
-            <a:ext cx="631495" cy="10486202"/>
+            <a:off x="6100049" y="-3973125"/>
+            <a:ext cx="644892" cy="11254832"/>
           </a:xfrm>
           <a:prstGeom prst="leftBrace">
             <a:avLst>
@@ -8506,9 +8505,6 @@
           <a:p>
             <a:pPr algn="ctr"/>
             <a:endParaRPr lang="en-US" sz="1396">
-              <a:solidFill>
-                <a:schemeClr val="lt1"/>
-              </a:solidFill>
               <a:latin typeface="Times New Roman" panose="02020603050405020304" pitchFamily="18" charset="0"/>
               <a:cs typeface="Times New Roman" panose="02020603050405020304" pitchFamily="18" charset="0"/>
             </a:endParaRPr>
@@ -8523,7 +8519,7 @@
         </p:nvSpPr>
         <p:spPr>
           <a:xfrm>
-            <a:off x="3854743" y="25537"/>
+            <a:off x="4007502" y="93216"/>
             <a:ext cx="5009090" cy="461665"/>
           </a:xfrm>
           <a:prstGeom prst="rect">
